--- a/Presentacion del curso.pptx
+++ b/Presentacion del curso.pptx
@@ -5,7 +5,7 @@
     <p:sldMasterId id="2147483648" r:id="rId1"/>
   </p:sldMasterIdLst>
   <p:notesMasterIdLst>
-    <p:notesMasterId r:id="rId23"/>
+    <p:notesMasterId r:id="rId22"/>
   </p:notesMasterIdLst>
   <p:sldIdLst>
     <p:sldId id="256" r:id="rId2"/>
@@ -28,7 +28,6 @@
     <p:sldId id="272" r:id="rId19"/>
     <p:sldId id="271" r:id="rId20"/>
     <p:sldId id="273" r:id="rId21"/>
-    <p:sldId id="268" r:id="rId22"/>
   </p:sldIdLst>
   <p:sldSz cx="12192000" cy="6858000"/>
   <p:notesSz cx="6858000" cy="9144000"/>
@@ -217,7 +216,7 @@
           <a:p>
             <a:fld id="{B1F018D7-01AD-4413-ACF1-CA5C284ABF1D}" type="datetimeFigureOut">
               <a:rPr lang="es-ES" smtClean="0"/>
-              <a:t>10/04/2022</a:t>
+              <a:t>11/04/2022</a:t>
             </a:fld>
             <a:endParaRPr lang="es-ES"/>
           </a:p>
@@ -799,7 +798,7 @@
           <a:p>
             <a:fld id="{17321F09-57B9-4431-8E2D-17B39AD68799}" type="datetimeFigureOut">
               <a:rPr lang="es-ES" smtClean="0"/>
-              <a:t>10/04/2022</a:t>
+              <a:t>11/04/2022</a:t>
             </a:fld>
             <a:endParaRPr lang="es-ES"/>
           </a:p>
@@ -997,7 +996,7 @@
           <a:p>
             <a:fld id="{17321F09-57B9-4431-8E2D-17B39AD68799}" type="datetimeFigureOut">
               <a:rPr lang="es-ES" smtClean="0"/>
-              <a:t>10/04/2022</a:t>
+              <a:t>11/04/2022</a:t>
             </a:fld>
             <a:endParaRPr lang="es-ES"/>
           </a:p>
@@ -1205,7 +1204,7 @@
           <a:p>
             <a:fld id="{17321F09-57B9-4431-8E2D-17B39AD68799}" type="datetimeFigureOut">
               <a:rPr lang="es-ES" smtClean="0"/>
-              <a:t>10/04/2022</a:t>
+              <a:t>11/04/2022</a:t>
             </a:fld>
             <a:endParaRPr lang="es-ES"/>
           </a:p>
@@ -1403,7 +1402,7 @@
           <a:p>
             <a:fld id="{17321F09-57B9-4431-8E2D-17B39AD68799}" type="datetimeFigureOut">
               <a:rPr lang="es-ES" smtClean="0"/>
-              <a:t>10/04/2022</a:t>
+              <a:t>11/04/2022</a:t>
             </a:fld>
             <a:endParaRPr lang="es-ES"/>
           </a:p>
@@ -1678,7 +1677,7 @@
           <a:p>
             <a:fld id="{17321F09-57B9-4431-8E2D-17B39AD68799}" type="datetimeFigureOut">
               <a:rPr lang="es-ES" smtClean="0"/>
-              <a:t>10/04/2022</a:t>
+              <a:t>11/04/2022</a:t>
             </a:fld>
             <a:endParaRPr lang="es-ES"/>
           </a:p>
@@ -1943,7 +1942,7 @@
           <a:p>
             <a:fld id="{17321F09-57B9-4431-8E2D-17B39AD68799}" type="datetimeFigureOut">
               <a:rPr lang="es-ES" smtClean="0"/>
-              <a:t>10/04/2022</a:t>
+              <a:t>11/04/2022</a:t>
             </a:fld>
             <a:endParaRPr lang="es-ES"/>
           </a:p>
@@ -2355,7 +2354,7 @@
           <a:p>
             <a:fld id="{17321F09-57B9-4431-8E2D-17B39AD68799}" type="datetimeFigureOut">
               <a:rPr lang="es-ES" smtClean="0"/>
-              <a:t>10/04/2022</a:t>
+              <a:t>11/04/2022</a:t>
             </a:fld>
             <a:endParaRPr lang="es-ES"/>
           </a:p>
@@ -2496,7 +2495,7 @@
           <a:p>
             <a:fld id="{17321F09-57B9-4431-8E2D-17B39AD68799}" type="datetimeFigureOut">
               <a:rPr lang="es-ES" smtClean="0"/>
-              <a:t>10/04/2022</a:t>
+              <a:t>11/04/2022</a:t>
             </a:fld>
             <a:endParaRPr lang="es-ES"/>
           </a:p>
@@ -2609,7 +2608,7 @@
           <a:p>
             <a:fld id="{17321F09-57B9-4431-8E2D-17B39AD68799}" type="datetimeFigureOut">
               <a:rPr lang="es-ES" smtClean="0"/>
-              <a:t>10/04/2022</a:t>
+              <a:t>11/04/2022</a:t>
             </a:fld>
             <a:endParaRPr lang="es-ES"/>
           </a:p>
@@ -2920,7 +2919,7 @@
           <a:p>
             <a:fld id="{17321F09-57B9-4431-8E2D-17B39AD68799}" type="datetimeFigureOut">
               <a:rPr lang="es-ES" smtClean="0"/>
-              <a:t>10/04/2022</a:t>
+              <a:t>11/04/2022</a:t>
             </a:fld>
             <a:endParaRPr lang="es-ES"/>
           </a:p>
@@ -3208,7 +3207,7 @@
           <a:p>
             <a:fld id="{17321F09-57B9-4431-8E2D-17B39AD68799}" type="datetimeFigureOut">
               <a:rPr lang="es-ES" smtClean="0"/>
-              <a:t>10/04/2022</a:t>
+              <a:t>11/04/2022</a:t>
             </a:fld>
             <a:endParaRPr lang="es-ES"/>
           </a:p>
@@ -3449,7 +3448,7 @@
           <a:p>
             <a:fld id="{17321F09-57B9-4431-8E2D-17B39AD68799}" type="datetimeFigureOut">
               <a:rPr lang="es-ES" smtClean="0"/>
-              <a:t>10/04/2022</a:t>
+              <a:t>11/04/2022</a:t>
             </a:fld>
             <a:endParaRPr lang="es-ES"/>
           </a:p>
@@ -5960,127 +5959,6 @@
     <p:extLst>
       <p:ext uri="{BB962C8B-B14F-4D97-AF65-F5344CB8AC3E}">
         <p14:creationId xmlns:p14="http://schemas.microsoft.com/office/powerpoint/2010/main" val="3324844850"/>
-      </p:ext>
-    </p:extLst>
-  </p:cSld>
-  <p:clrMapOvr>
-    <a:masterClrMapping/>
-  </p:clrMapOvr>
-</p:sld>
-</file>
-
-<file path=ppt/slides/slide21.xml><?xml version="1.0" encoding="utf-8"?>
-<p:sld xmlns:a="http://schemas.openxmlformats.org/drawingml/2006/main" xmlns:r="http://schemas.openxmlformats.org/officeDocument/2006/relationships" xmlns:p="http://schemas.openxmlformats.org/presentationml/2006/main">
-  <p:cSld>
-    <p:spTree>
-      <p:nvGrpSpPr>
-        <p:cNvPr id="1" name=""/>
-        <p:cNvGrpSpPr/>
-        <p:nvPr/>
-      </p:nvGrpSpPr>
-      <p:grpSpPr>
-        <a:xfrm>
-          <a:off x="0" y="0"/>
-          <a:ext cx="0" cy="0"/>
-          <a:chOff x="0" y="0"/>
-          <a:chExt cx="0" cy="0"/>
-        </a:xfrm>
-      </p:grpSpPr>
-      <p:sp>
-        <p:nvSpPr>
-          <p:cNvPr id="2" name="Título 1">
-            <a:extLst>
-              <a:ext uri="{FF2B5EF4-FFF2-40B4-BE49-F238E27FC236}">
-                <a16:creationId xmlns:a16="http://schemas.microsoft.com/office/drawing/2014/main" id="{B19E8CAD-4889-4C71-87D8-1449C47D2AF5}"/>
-              </a:ext>
-            </a:extLst>
-          </p:cNvPr>
-          <p:cNvSpPr>
-            <a:spLocks noGrp="1"/>
-          </p:cNvSpPr>
-          <p:nvPr>
-            <p:ph type="title"/>
-          </p:nvPr>
-        </p:nvSpPr>
-        <p:spPr/>
-        <p:txBody>
-          <a:bodyPr/>
-          <a:lstStyle/>
-          <a:p>
-            <a:r>
-              <a:rPr lang="es-ES" dirty="0"/>
-              <a:t>Time </a:t>
-            </a:r>
-            <a:r>
-              <a:rPr lang="es-ES" dirty="0" err="1"/>
-              <a:t>to</a:t>
-            </a:r>
-            <a:r>
-              <a:rPr lang="es-ES" dirty="0"/>
-              <a:t> </a:t>
-            </a:r>
-            <a:r>
-              <a:rPr lang="es-ES" dirty="0" err="1"/>
-              <a:t>write</a:t>
-            </a:r>
-            <a:r>
-              <a:rPr lang="es-ES" dirty="0"/>
-              <a:t> </a:t>
-            </a:r>
-            <a:r>
-              <a:rPr lang="es-ES" dirty="0" err="1"/>
-              <a:t>some</a:t>
-            </a:r>
-            <a:r>
-              <a:rPr lang="es-ES" dirty="0"/>
-              <a:t> </a:t>
-            </a:r>
-            <a:r>
-              <a:rPr lang="es-ES" dirty="0" err="1"/>
-              <a:t>code</a:t>
-            </a:r>
-            <a:endParaRPr lang="es-ES" dirty="0"/>
-          </a:p>
-        </p:txBody>
-      </p:sp>
-      <p:sp>
-        <p:nvSpPr>
-          <p:cNvPr id="3" name="Marcador de contenido 2">
-            <a:extLst>
-              <a:ext uri="{FF2B5EF4-FFF2-40B4-BE49-F238E27FC236}">
-                <a16:creationId xmlns:a16="http://schemas.microsoft.com/office/drawing/2014/main" id="{042C352E-F554-46D6-B2DF-61D75FE568C0}"/>
-              </a:ext>
-            </a:extLst>
-          </p:cNvPr>
-          <p:cNvSpPr>
-            <a:spLocks noGrp="1"/>
-          </p:cNvSpPr>
-          <p:nvPr>
-            <p:ph idx="1"/>
-          </p:nvPr>
-        </p:nvSpPr>
-        <p:spPr/>
-        <p:txBody>
-          <a:bodyPr/>
-          <a:lstStyle/>
-          <a:p>
-            <a:r>
-              <a:rPr lang="es-ES" dirty="0"/>
-              <a:t>Implementar un programa que calcule el área de un cuadrado y lo muestre por consola.</a:t>
-            </a:r>
-          </a:p>
-          <a:p>
-            <a:r>
-              <a:rPr lang="es-ES" dirty="0"/>
-              <a:t> </a:t>
-            </a:r>
-          </a:p>
-        </p:txBody>
-      </p:sp>
-    </p:spTree>
-    <p:extLst>
-      <p:ext uri="{BB962C8B-B14F-4D97-AF65-F5344CB8AC3E}">
-        <p14:creationId xmlns:p14="http://schemas.microsoft.com/office/powerpoint/2010/main" val="1374345606"/>
       </p:ext>
     </p:extLst>
   </p:cSld>
